--- a/first-steps-with-power-bi-for-excel-users.pptx
+++ b/first-steps-with-power-bi-for-excel-users.pptx
@@ -5,7 +5,7 @@
     <p:sldMasterId id="2147483648" r:id="rId1"/>
   </p:sldMasterIdLst>
   <p:notesMasterIdLst>
-    <p:notesMasterId r:id="rId10"/>
+    <p:notesMasterId r:id="rId11"/>
   </p:notesMasterIdLst>
   <p:sldIdLst>
     <p:sldId id="256" r:id="rId2"/>
@@ -14,18 +14,19 @@
     <p:sldId id="407" r:id="rId5"/>
     <p:sldId id="435" r:id="rId6"/>
     <p:sldId id="428" r:id="rId7"/>
-    <p:sldId id="415" r:id="rId8"/>
-    <p:sldId id="427" r:id="rId9"/>
+    <p:sldId id="436" r:id="rId8"/>
+    <p:sldId id="415" r:id="rId9"/>
+    <p:sldId id="427" r:id="rId10"/>
   </p:sldIdLst>
   <p:sldSz cx="18288000" cy="10287000"/>
   <p:notesSz cx="6858000" cy="9144000"/>
   <p:embeddedFontLst>
     <p:embeddedFont>
       <p:font typeface="Consolas" panose="020B0609020204030204" pitchFamily="49" charset="0"/>
-      <p:regular r:id="rId11"/>
-      <p:bold r:id="rId12"/>
-      <p:italic r:id="rId13"/>
-      <p:boldItalic r:id="rId14"/>
+      <p:regular r:id="rId12"/>
+      <p:bold r:id="rId13"/>
+      <p:italic r:id="rId14"/>
+      <p:boldItalic r:id="rId15"/>
     </p:embeddedFont>
   </p:embeddedFontLst>
   <p:defaultTextStyle>
@@ -242,7 +243,7 @@
           <a:p>
             <a:fld id="{17A98A70-FA8C-4354-959C-C70678AC9BCF}" type="datetimeFigureOut">
               <a:rPr lang="en-US" smtClean="0"/>
-              <a:t>1/9/2025</a:t>
+              <a:t>1/20/2025</a:t>
             </a:fld>
             <a:endParaRPr lang="en-US"/>
           </a:p>
@@ -857,6 +858,138 @@
 </p:notes>
 </file>
 
+<file path=ppt/notesSlides/notesSlide4.xml><?xml version="1.0" encoding="utf-8"?>
+<p:notes xmlns:a="http://schemas.openxmlformats.org/drawingml/2006/main" xmlns:r="http://schemas.openxmlformats.org/officeDocument/2006/relationships" xmlns:p="http://schemas.openxmlformats.org/presentationml/2006/main">
+  <p:cSld>
+    <p:spTree>
+      <p:nvGrpSpPr>
+        <p:cNvPr id="1" name="">
+          <a:extLst>
+            <a:ext uri="{FF2B5EF4-FFF2-40B4-BE49-F238E27FC236}">
+              <a16:creationId xmlns:a16="http://schemas.microsoft.com/office/drawing/2014/main" id="{D1427428-6FC2-A027-32B1-DB84A3E8FC8F}"/>
+            </a:ext>
+          </a:extLst>
+        </p:cNvPr>
+        <p:cNvGrpSpPr/>
+        <p:nvPr/>
+      </p:nvGrpSpPr>
+      <p:grpSpPr>
+        <a:xfrm>
+          <a:off x="0" y="0"/>
+          <a:ext cx="0" cy="0"/>
+          <a:chOff x="0" y="0"/>
+          <a:chExt cx="0" cy="0"/>
+        </a:xfrm>
+      </p:grpSpPr>
+      <p:sp>
+        <p:nvSpPr>
+          <p:cNvPr id="2" name="Slide Image Placeholder 1">
+            <a:extLst>
+              <a:ext uri="{FF2B5EF4-FFF2-40B4-BE49-F238E27FC236}">
+                <a16:creationId xmlns:a16="http://schemas.microsoft.com/office/drawing/2014/main" id="{C44A4E1A-74A6-A7D3-C5A0-389364C0DD5E}"/>
+              </a:ext>
+            </a:extLst>
+          </p:cNvPr>
+          <p:cNvSpPr>
+            <a:spLocks noGrp="1" noRot="1" noChangeAspect="1"/>
+          </p:cNvSpPr>
+          <p:nvPr>
+            <p:ph type="sldImg"/>
+          </p:nvPr>
+        </p:nvSpPr>
+        <p:spPr/>
+      </p:sp>
+      <p:sp>
+        <p:nvSpPr>
+          <p:cNvPr id="3" name="Notes Placeholder 2">
+            <a:extLst>
+              <a:ext uri="{FF2B5EF4-FFF2-40B4-BE49-F238E27FC236}">
+                <a16:creationId xmlns:a16="http://schemas.microsoft.com/office/drawing/2014/main" id="{AD42E65A-B376-8DBB-656F-98973EABEDCB}"/>
+              </a:ext>
+            </a:extLst>
+          </p:cNvPr>
+          <p:cNvSpPr>
+            <a:spLocks noGrp="1"/>
+          </p:cNvSpPr>
+          <p:nvPr>
+            <p:ph type="body" idx="1"/>
+          </p:nvPr>
+        </p:nvSpPr>
+        <p:spPr/>
+        <p:txBody>
+          <a:bodyPr/>
+          <a:lstStyle/>
+          <a:p>
+            <a:pPr marL="228600" indent="-228600">
+              <a:buAutoNum type="arabicPeriod"/>
+            </a:pPr>
+            <a:r>
+              <a:rPr lang="en-US" dirty="0"/>
+              <a:t>False!</a:t>
+            </a:r>
+          </a:p>
+          <a:p>
+            <a:pPr marL="228600" indent="-228600">
+              <a:buAutoNum type="arabicPeriod"/>
+            </a:pPr>
+            <a:r>
+              <a:rPr lang="en-US" dirty="0"/>
+              <a:t>Function, Formula, Function</a:t>
+            </a:r>
+          </a:p>
+          <a:p>
+            <a:pPr marL="228600" indent="-228600">
+              <a:buAutoNum type="arabicPeriod"/>
+            </a:pPr>
+            <a:r>
+              <a:rPr lang="en-US" dirty="0"/>
+              <a:t>Argument</a:t>
+            </a:r>
+          </a:p>
+        </p:txBody>
+      </p:sp>
+      <p:sp>
+        <p:nvSpPr>
+          <p:cNvPr id="4" name="Slide Number Placeholder 3">
+            <a:extLst>
+              <a:ext uri="{FF2B5EF4-FFF2-40B4-BE49-F238E27FC236}">
+                <a16:creationId xmlns:a16="http://schemas.microsoft.com/office/drawing/2014/main" id="{3D590908-5AEE-5D1B-AF9B-6D6186D5DC0F}"/>
+              </a:ext>
+            </a:extLst>
+          </p:cNvPr>
+          <p:cNvSpPr>
+            <a:spLocks noGrp="1"/>
+          </p:cNvSpPr>
+          <p:nvPr>
+            <p:ph type="sldNum" sz="quarter" idx="5"/>
+          </p:nvPr>
+        </p:nvSpPr>
+        <p:spPr/>
+        <p:txBody>
+          <a:bodyPr/>
+          <a:lstStyle/>
+          <a:p>
+            <a:fld id="{1300335D-9F13-4B80-ADC5-B0EA3E10FF6B}" type="slidenum">
+              <a:rPr lang="en-US" smtClean="0"/>
+              <a:t>7</a:t>
+            </a:fld>
+            <a:endParaRPr lang="en-US"/>
+          </a:p>
+        </p:txBody>
+      </p:sp>
+    </p:spTree>
+    <p:extLst>
+      <p:ext uri="{BB962C8B-B14F-4D97-AF65-F5344CB8AC3E}">
+        <p14:creationId xmlns:p14="http://schemas.microsoft.com/office/powerpoint/2010/main" val="3275281226"/>
+      </p:ext>
+    </p:extLst>
+  </p:cSld>
+  <p:clrMapOvr>
+    <a:masterClrMapping/>
+  </p:clrMapOvr>
+</p:notes>
+</file>
+
 <file path=ppt/slideLayouts/slideLayout1.xml><?xml version="1.0" encoding="utf-8"?>
 <p:sldLayout xmlns:a="http://schemas.openxmlformats.org/drawingml/2006/main" xmlns:r="http://schemas.openxmlformats.org/officeDocument/2006/relationships" xmlns:p="http://schemas.openxmlformats.org/presentationml/2006/main" type="title" preserve="1">
   <p:cSld name="Title Slide">
@@ -1037,7 +1170,7 @@
             <a:fld id="{1D8BD707-D9CF-40AE-B4C6-C98DA3205C09}" type="datetimeFigureOut">
               <a:rPr lang="en-US" smtClean="0"/>
               <a:pPr/>
-              <a:t>1/9/2025</a:t>
+              <a:t>1/20/2025</a:t>
             </a:fld>
             <a:endParaRPr lang="en-US"/>
           </a:p>
@@ -1202,7 +1335,7 @@
             <a:fld id="{1D8BD707-D9CF-40AE-B4C6-C98DA3205C09}" type="datetimeFigureOut">
               <a:rPr lang="en-US" smtClean="0"/>
               <a:pPr/>
-              <a:t>1/9/2025</a:t>
+              <a:t>1/20/2025</a:t>
             </a:fld>
             <a:endParaRPr lang="en-US"/>
           </a:p>
@@ -1377,7 +1510,7 @@
             <a:fld id="{1D8BD707-D9CF-40AE-B4C6-C98DA3205C09}" type="datetimeFigureOut">
               <a:rPr lang="en-US" smtClean="0"/>
               <a:pPr/>
-              <a:t>1/9/2025</a:t>
+              <a:t>1/20/2025</a:t>
             </a:fld>
             <a:endParaRPr lang="en-US"/>
           </a:p>
@@ -1542,7 +1675,7 @@
             <a:fld id="{1D8BD707-D9CF-40AE-B4C6-C98DA3205C09}" type="datetimeFigureOut">
               <a:rPr lang="en-US" smtClean="0"/>
               <a:pPr/>
-              <a:t>1/9/2025</a:t>
+              <a:t>1/20/2025</a:t>
             </a:fld>
             <a:endParaRPr lang="en-US"/>
           </a:p>
@@ -1784,7 +1917,7 @@
             <a:fld id="{1D8BD707-D9CF-40AE-B4C6-C98DA3205C09}" type="datetimeFigureOut">
               <a:rPr lang="en-US" smtClean="0"/>
               <a:pPr/>
-              <a:t>1/9/2025</a:t>
+              <a:t>1/20/2025</a:t>
             </a:fld>
             <a:endParaRPr lang="en-US"/>
           </a:p>
@@ -2066,7 +2199,7 @@
             <a:fld id="{1D8BD707-D9CF-40AE-B4C6-C98DA3205C09}" type="datetimeFigureOut">
               <a:rPr lang="en-US" smtClean="0"/>
               <a:pPr/>
-              <a:t>1/9/2025</a:t>
+              <a:t>1/20/2025</a:t>
             </a:fld>
             <a:endParaRPr lang="en-US"/>
           </a:p>
@@ -2482,7 +2615,7 @@
             <a:fld id="{1D8BD707-D9CF-40AE-B4C6-C98DA3205C09}" type="datetimeFigureOut">
               <a:rPr lang="en-US" smtClean="0"/>
               <a:pPr/>
-              <a:t>1/9/2025</a:t>
+              <a:t>1/20/2025</a:t>
             </a:fld>
             <a:endParaRPr lang="en-US"/>
           </a:p>
@@ -2596,7 +2729,7 @@
             <a:fld id="{1D8BD707-D9CF-40AE-B4C6-C98DA3205C09}" type="datetimeFigureOut">
               <a:rPr lang="en-US" smtClean="0"/>
               <a:pPr/>
-              <a:t>1/9/2025</a:t>
+              <a:t>1/20/2025</a:t>
             </a:fld>
             <a:endParaRPr lang="en-US"/>
           </a:p>
@@ -2688,7 +2821,7 @@
             <a:fld id="{1D8BD707-D9CF-40AE-B4C6-C98DA3205C09}" type="datetimeFigureOut">
               <a:rPr lang="en-US" smtClean="0"/>
               <a:pPr/>
-              <a:t>1/9/2025</a:t>
+              <a:t>1/20/2025</a:t>
             </a:fld>
             <a:endParaRPr lang="en-US"/>
           </a:p>
@@ -2960,7 +3093,7 @@
             <a:fld id="{1D8BD707-D9CF-40AE-B4C6-C98DA3205C09}" type="datetimeFigureOut">
               <a:rPr lang="en-US" smtClean="0"/>
               <a:pPr/>
-              <a:t>1/9/2025</a:t>
+              <a:t>1/20/2025</a:t>
             </a:fld>
             <a:endParaRPr lang="en-US"/>
           </a:p>
@@ -3209,7 +3342,7 @@
             <a:fld id="{1D8BD707-D9CF-40AE-B4C6-C98DA3205C09}" type="datetimeFigureOut">
               <a:rPr lang="en-US" smtClean="0"/>
               <a:pPr/>
-              <a:t>1/9/2025</a:t>
+              <a:t>1/20/2025</a:t>
             </a:fld>
             <a:endParaRPr lang="en-US"/>
           </a:p>
@@ -3422,7 +3555,7 @@
             <a:fld id="{1D8BD707-D9CF-40AE-B4C6-C98DA3205C09}" type="datetimeFigureOut">
               <a:rPr lang="en-US" smtClean="0"/>
               <a:pPr/>
-              <a:t>1/9/2025</a:t>
+              <a:t>1/20/2025</a:t>
             </a:fld>
             <a:endParaRPr lang="en-US"/>
           </a:p>
@@ -4265,6 +4398,53 @@
           </a:extLst>
         </p:spPr>
       </p:pic>
+      <p:pic>
+        <p:nvPicPr>
+          <p:cNvPr id="2" name="Picture 2" descr="Thais Cooke on LinkedIn: #linkedinlearninginstructor #linkedinlearning | 82  comments">
+            <a:extLst>
+              <a:ext uri="{FF2B5EF4-FFF2-40B4-BE49-F238E27FC236}">
+                <a16:creationId xmlns:a16="http://schemas.microsoft.com/office/drawing/2014/main" id="{2E3C0D6C-F7C9-F3C4-3BAA-FF34E086E7E0}"/>
+              </a:ext>
+            </a:extLst>
+          </p:cNvPr>
+          <p:cNvPicPr>
+            <a:picLocks noChangeAspect="1" noChangeArrowheads="1"/>
+          </p:cNvPicPr>
+          <p:nvPr/>
+        </p:nvPicPr>
+        <p:blipFill>
+          <a:blip r:embed="rId7">
+            <a:extLst>
+              <a:ext uri="{28A0092B-C50C-407E-A947-70E740481C1C}">
+                <a14:useLocalDpi xmlns:a14="http://schemas.microsoft.com/office/drawing/2010/main" val="0"/>
+              </a:ext>
+            </a:extLst>
+          </a:blip>
+          <a:srcRect/>
+          <a:stretch>
+            <a:fillRect/>
+          </a:stretch>
+        </p:blipFill>
+        <p:spPr bwMode="auto">
+          <a:xfrm>
+            <a:off x="14478000" y="5312978"/>
+            <a:ext cx="3333750" cy="1371600"/>
+          </a:xfrm>
+          <a:prstGeom prst="rect">
+            <a:avLst/>
+          </a:prstGeom>
+          <a:noFill/>
+          <a:extLst>
+            <a:ext uri="{909E8E84-426E-40DD-AFC4-6F175D3DCCD1}">
+              <a14:hiddenFill xmlns:a14="http://schemas.microsoft.com/office/drawing/2010/main">
+                <a:solidFill>
+                  <a:srgbClr val="FFFFFF"/>
+                </a:solidFill>
+              </a14:hiddenFill>
+            </a:ext>
+          </a:extLst>
+        </p:spPr>
+      </p:pic>
     </p:spTree>
     <p:extLst>
       <p:ext uri="{BB962C8B-B14F-4D97-AF65-F5344CB8AC3E}">
@@ -4553,7 +4733,7 @@
         <p:spPr>
           <a:xfrm>
             <a:off x="260431" y="329879"/>
-            <a:ext cx="8906720" cy="7860100"/>
+            <a:ext cx="8906720" cy="6306214"/>
           </a:xfrm>
           <a:prstGeom prst="rect">
             <a:avLst/>
@@ -4691,7 +4871,7 @@
                 <a:latin typeface="Pragmatica" panose="020B0403040502020204"/>
                 <a:sym typeface="Consolas"/>
               </a:rPr>
-              <a:t>Dataset: </a:t>
+              <a:t>Folder: </a:t>
             </a:r>
             <a:r>
               <a:rPr lang="en-US" sz="3600" dirty="0">
@@ -4701,70 +4881,8 @@
                 <a:latin typeface="Consolas" panose="020B0609020204030204" pitchFamily="49" charset="0"/>
                 <a:sym typeface="Consolas"/>
               </a:rPr>
-              <a:t>penguins.xlsx</a:t>
-            </a:r>
-          </a:p>
-          <a:p>
-            <a:pPr marL="142875">
-              <a:lnSpc>
-                <a:spcPct val="115000"/>
-              </a:lnSpc>
-              <a:spcBef>
-                <a:spcPts val="1125"/>
-              </a:spcBef>
-              <a:buClr>
-                <a:srgbClr val="C00000"/>
-              </a:buClr>
-              <a:buSzPts val="2100"/>
-            </a:pPr>
-            <a:r>
-              <a:rPr lang="en-US" sz="3600" dirty="0">
-                <a:solidFill>
-                  <a:srgbClr val="C00000"/>
-                </a:solidFill>
-                <a:latin typeface="Pragmatica" panose="020B0403040502020204"/>
-                <a:sym typeface="Consolas"/>
-              </a:rPr>
-              <a:t>Power BI report: </a:t>
-            </a:r>
-            <a:r>
-              <a:rPr lang="en-US" sz="3600" dirty="0" err="1">
-                <a:solidFill>
-                  <a:srgbClr val="C00000"/>
-                </a:solidFill>
-                <a:latin typeface="Consolas" panose="020B0609020204030204" pitchFamily="49" charset="0"/>
-                <a:sym typeface="Consolas"/>
-              </a:rPr>
-              <a:t>penguins.pbix</a:t>
-            </a:r>
-            <a:endParaRPr lang="en-US" sz="3600" dirty="0">
-              <a:solidFill>
-                <a:srgbClr val="C00000"/>
-              </a:solidFill>
-              <a:latin typeface="Consolas" panose="020B0609020204030204" pitchFamily="49" charset="0"/>
-              <a:sym typeface="Consolas"/>
-            </a:endParaRPr>
-          </a:p>
-          <a:p>
-            <a:pPr marL="142875">
-              <a:lnSpc>
-                <a:spcPct val="115000"/>
-              </a:lnSpc>
-              <a:spcBef>
-                <a:spcPts val="1125"/>
-              </a:spcBef>
-              <a:buClr>
-                <a:srgbClr val="C00000"/>
-              </a:buClr>
-              <a:buSzPts val="2100"/>
-            </a:pPr>
-            <a:endParaRPr lang="en-US" sz="3600" dirty="0">
-              <a:solidFill>
-                <a:srgbClr val="C00000"/>
-              </a:solidFill>
-              <a:latin typeface="Consolas" panose="020B0609020204030204" pitchFamily="49" charset="0"/>
-              <a:sym typeface="Consolas"/>
-            </a:endParaRPr>
+              <a:t>1-load-worksheet-to-power-bi</a:t>
+            </a:r>
           </a:p>
         </p:txBody>
       </p:sp>
@@ -4906,7 +5024,7 @@
         <p:spPr>
           <a:xfrm>
             <a:off x="260431" y="329879"/>
-            <a:ext cx="8906720" cy="7850867"/>
+            <a:ext cx="8906720" cy="7709803"/>
           </a:xfrm>
           <a:prstGeom prst="rect">
             <a:avLst/>
@@ -4926,7 +5044,7 @@
                 </a:solidFill>
                 <a:latin typeface="Pragmatica" panose="020B0403040502020204" pitchFamily="34" charset="0"/>
               </a:rPr>
-              <a:t>Creating relational models and measures</a:t>
+              <a:t>Load Excel data model to Power BI</a:t>
             </a:r>
           </a:p>
           <a:p>
@@ -4960,7 +5078,7 @@
                 <a:latin typeface="Pragmatica" panose="020B0403040502020204"/>
                 <a:sym typeface="Consolas"/>
               </a:rPr>
-              <a:t>Define relationships across multiple tables</a:t>
+              <a:t>Port a Power Pivot data model into Power BI</a:t>
             </a:r>
           </a:p>
           <a:p>
@@ -4986,7 +5104,7 @@
                 <a:latin typeface="Pragmatica" panose="020B0403040502020204"/>
                 <a:sym typeface="Consolas"/>
               </a:rPr>
-              <a:t>Calculated columns versus measures for ad hoc analysis</a:t>
+              <a:t>Strengths, weaknesses, limitations</a:t>
             </a:r>
           </a:p>
           <a:p>
@@ -5033,7 +5151,7 @@
                 <a:latin typeface="Pragmatica" panose="020B0403040502020204"/>
                 <a:sym typeface="Consolas"/>
               </a:rPr>
-              <a:t>Dataset: </a:t>
+              <a:t>Folder: </a:t>
             </a:r>
             <a:r>
               <a:rPr lang="en-US" sz="3600" dirty="0">
@@ -5043,49 +5161,8 @@
                 <a:latin typeface="Consolas" panose="020B0609020204030204" pitchFamily="49" charset="0"/>
                 <a:sym typeface="Consolas"/>
               </a:rPr>
-              <a:t>lahman.xlsx</a:t>
-            </a:r>
-          </a:p>
-          <a:p>
-            <a:pPr marL="142875">
-              <a:lnSpc>
-                <a:spcPct val="115000"/>
-              </a:lnSpc>
-              <a:spcBef>
-                <a:spcPts val="1125"/>
-              </a:spcBef>
-              <a:buClr>
-                <a:srgbClr val="C00000"/>
-              </a:buClr>
-              <a:buSzPts val="2100"/>
-            </a:pPr>
-            <a:r>
-              <a:rPr lang="en-US" sz="3600" dirty="0">
-                <a:solidFill>
-                  <a:srgbClr val="C00000"/>
-                </a:solidFill>
-                <a:latin typeface="Pragmatica" panose="020B0403040502020204"/>
-                <a:sym typeface="Consolas"/>
-              </a:rPr>
-              <a:t>Power BI report: </a:t>
-            </a:r>
-            <a:r>
-              <a:rPr lang="en-US" sz="3600" dirty="0" err="1">
-                <a:solidFill>
-                  <a:srgbClr val="C00000"/>
-                </a:solidFill>
-                <a:latin typeface="Consolas" panose="020B0609020204030204" pitchFamily="49" charset="0"/>
-                <a:sym typeface="Consolas"/>
-              </a:rPr>
-              <a:t>lahman.pbix</a:t>
-            </a:r>
-            <a:endParaRPr lang="en-US" sz="3600" dirty="0">
-              <a:solidFill>
-                <a:srgbClr val="C00000"/>
-              </a:solidFill>
-              <a:latin typeface="Consolas" panose="020B0609020204030204" pitchFamily="49" charset="0"/>
-              <a:sym typeface="Consolas"/>
-            </a:endParaRPr>
+              <a:t>2-load-data-model-to-power-bi</a:t>
+            </a:r>
           </a:p>
           <a:p>
             <a:pPr marL="142875">
@@ -5224,7 +5301,7 @@
         <p:spPr>
           <a:xfrm>
             <a:off x="260431" y="329879"/>
-            <a:ext cx="8906720" cy="5383653"/>
+            <a:ext cx="8906720" cy="7817525"/>
           </a:xfrm>
           <a:prstGeom prst="rect">
             <a:avLst/>
@@ -5279,8 +5356,28 @@
                 <a:ea typeface="Aptos" panose="020B0004020202020204" pitchFamily="34" charset="0"/>
                 <a:cs typeface="Times New Roman" panose="02020603050405020304" pitchFamily="18" charset="0"/>
               </a:rPr>
-              <a:t>Continue with the previous example</a:t>
-            </a:r>
+              <a:t>Continue with </a:t>
+            </a:r>
+            <a:r>
+              <a:rPr lang="en-US" sz="3200" kern="100" dirty="0">
+                <a:solidFill>
+                  <a:srgbClr val="C00000"/>
+                </a:solidFill>
+                <a:latin typeface="Pragmatica" panose="020B0403040502020204"/>
+                <a:ea typeface="Aptos" panose="020B0004020202020204" pitchFamily="34" charset="0"/>
+                <a:cs typeface="Times New Roman" panose="02020603050405020304" pitchFamily="18" charset="0"/>
+              </a:rPr>
+              <a:t>penguins dataset</a:t>
+            </a:r>
+            <a:endParaRPr lang="en-US" sz="3200" kern="100" dirty="0">
+              <a:solidFill>
+                <a:srgbClr val="C00000"/>
+              </a:solidFill>
+              <a:effectLst/>
+              <a:latin typeface="Pragmatica" panose="020B0403040502020204"/>
+              <a:ea typeface="Aptos" panose="020B0004020202020204" pitchFamily="34" charset="0"/>
+              <a:cs typeface="Times New Roman" panose="02020603050405020304" pitchFamily="18" charset="0"/>
+            </a:endParaRPr>
           </a:p>
           <a:p>
             <a:pPr marL="342900" marR="0" lvl="0" indent="-342900">
@@ -5381,6 +5478,48 @@
               </a:rPr>
               <a:t>Additional plot functionality vs Excel</a:t>
             </a:r>
+          </a:p>
+          <a:p>
+            <a:endParaRPr lang="en-US" sz="4200" dirty="0">
+              <a:solidFill>
+                <a:srgbClr val="CF3338"/>
+              </a:solidFill>
+              <a:latin typeface="Pragmatica" panose="020B0403040502020204" pitchFamily="34" charset="0"/>
+            </a:endParaRPr>
+          </a:p>
+          <a:p>
+            <a:r>
+              <a:rPr lang="en-US" sz="3600" kern="100" dirty="0">
+                <a:solidFill>
+                  <a:srgbClr val="C00000"/>
+                </a:solidFill>
+                <a:effectLst/>
+                <a:latin typeface="Pragmatica" panose="020B0403040502020204"/>
+                <a:ea typeface="Aptos" panose="020B0004020202020204" pitchFamily="34" charset="0"/>
+                <a:cs typeface="Times New Roman" panose="02020603050405020304" pitchFamily="18" charset="0"/>
+              </a:rPr>
+              <a:t>Folder: </a:t>
+            </a:r>
+            <a:r>
+              <a:rPr lang="en-US" sz="3600" kern="100" dirty="0">
+                <a:solidFill>
+                  <a:srgbClr val="C00000"/>
+                </a:solidFill>
+                <a:effectLst/>
+                <a:latin typeface="Consolas" panose="020B0609020204030204" pitchFamily="49" charset="0"/>
+                <a:ea typeface="Aptos" panose="020B0004020202020204" pitchFamily="34" charset="0"/>
+                <a:cs typeface="Times New Roman" panose="02020603050405020304" pitchFamily="18" charset="0"/>
+              </a:rPr>
+              <a:t>3-creating-interactive-visuals</a:t>
+            </a:r>
+          </a:p>
+          <a:p>
+            <a:endParaRPr lang="en-US" sz="4200" dirty="0">
+              <a:solidFill>
+                <a:srgbClr val="CF3338"/>
+              </a:solidFill>
+              <a:latin typeface="Pragmatica" panose="020B0403040502020204" pitchFamily="34" charset="0"/>
+            </a:endParaRPr>
           </a:p>
         </p:txBody>
       </p:sp>
@@ -5398,6 +5537,356 @@
 </file>
 
 <file path=ppt/slides/slide7.xml><?xml version="1.0" encoding="utf-8"?>
+<p:sld xmlns:a="http://schemas.openxmlformats.org/drawingml/2006/main" xmlns:r="http://schemas.openxmlformats.org/officeDocument/2006/relationships" xmlns:p="http://schemas.openxmlformats.org/presentationml/2006/main">
+  <p:cSld>
+    <p:spTree>
+      <p:nvGrpSpPr>
+        <p:cNvPr id="1" name="">
+          <a:extLst>
+            <a:ext uri="{FF2B5EF4-FFF2-40B4-BE49-F238E27FC236}">
+              <a16:creationId xmlns:a16="http://schemas.microsoft.com/office/drawing/2014/main" id="{9289DE51-3698-19A7-2410-9FF95955B105}"/>
+            </a:ext>
+          </a:extLst>
+        </p:cNvPr>
+        <p:cNvGrpSpPr/>
+        <p:nvPr/>
+      </p:nvGrpSpPr>
+      <p:grpSpPr>
+        <a:xfrm>
+          <a:off x="0" y="0"/>
+          <a:ext cx="0" cy="0"/>
+          <a:chOff x="0" y="0"/>
+          <a:chExt cx="0" cy="0"/>
+        </a:xfrm>
+      </p:grpSpPr>
+      <p:sp>
+        <p:nvSpPr>
+          <p:cNvPr id="4" name="Rectangle 3">
+            <a:extLst>
+              <a:ext uri="{FF2B5EF4-FFF2-40B4-BE49-F238E27FC236}">
+                <a16:creationId xmlns:a16="http://schemas.microsoft.com/office/drawing/2014/main" id="{A07311E4-483B-E0EC-2A09-57DA32632608}"/>
+              </a:ext>
+            </a:extLst>
+          </p:cNvPr>
+          <p:cNvSpPr/>
+          <p:nvPr/>
+        </p:nvSpPr>
+        <p:spPr>
+          <a:xfrm>
+            <a:off x="14249400" y="0"/>
+            <a:ext cx="4038600" cy="10287000"/>
+          </a:xfrm>
+          <a:prstGeom prst="rect">
+            <a:avLst/>
+          </a:prstGeom>
+          <a:solidFill>
+            <a:srgbClr val="CF3338"/>
+          </a:solidFill>
+          <a:ln>
+            <a:noFill/>
+          </a:ln>
+        </p:spPr>
+        <p:style>
+          <a:lnRef idx="2">
+            <a:schemeClr val="accent1">
+              <a:shade val="50000"/>
+            </a:schemeClr>
+          </a:lnRef>
+          <a:fillRef idx="1">
+            <a:schemeClr val="accent1"/>
+          </a:fillRef>
+          <a:effectRef idx="0">
+            <a:schemeClr val="accent1"/>
+          </a:effectRef>
+          <a:fontRef idx="minor">
+            <a:schemeClr val="lt1"/>
+          </a:fontRef>
+        </p:style>
+        <p:txBody>
+          <a:bodyPr rtlCol="0" anchor="ctr"/>
+          <a:lstStyle/>
+          <a:p>
+            <a:pPr algn="ctr"/>
+            <a:endParaRPr lang="en-US" sz="2700"/>
+          </a:p>
+        </p:txBody>
+      </p:sp>
+      <p:pic>
+        <p:nvPicPr>
+          <p:cNvPr id="2" name="Picture 1">
+            <a:extLst>
+              <a:ext uri="{FF2B5EF4-FFF2-40B4-BE49-F238E27FC236}">
+                <a16:creationId xmlns:a16="http://schemas.microsoft.com/office/drawing/2014/main" id="{C925E978-5853-7382-33B7-E92E58A94E1A}"/>
+              </a:ext>
+            </a:extLst>
+          </p:cNvPr>
+          <p:cNvPicPr>
+            <a:picLocks noChangeAspect="1"/>
+          </p:cNvPicPr>
+          <p:nvPr/>
+        </p:nvPicPr>
+        <p:blipFill rotWithShape="1">
+          <a:blip r:embed="rId3">
+            <a:extLst>
+              <a:ext uri="{28A0092B-C50C-407E-A947-70E740481C1C}">
+                <a14:useLocalDpi xmlns:a14="http://schemas.microsoft.com/office/drawing/2010/main" val="0"/>
+              </a:ext>
+            </a:extLst>
+          </a:blip>
+          <a:srcRect l="69227" t="33418" r="20112" b="50548"/>
+          <a:stretch/>
+        </p:blipFill>
+        <p:spPr>
+          <a:xfrm>
+            <a:off x="15579524" y="7544693"/>
+            <a:ext cx="2708477" cy="2987579"/>
+          </a:xfrm>
+          <a:prstGeom prst="rect">
+            <a:avLst/>
+          </a:prstGeom>
+        </p:spPr>
+      </p:pic>
+      <p:sp>
+        <p:nvSpPr>
+          <p:cNvPr id="3" name="TextBox 2">
+            <a:extLst>
+              <a:ext uri="{FF2B5EF4-FFF2-40B4-BE49-F238E27FC236}">
+                <a16:creationId xmlns:a16="http://schemas.microsoft.com/office/drawing/2014/main" id="{AD1D6570-8423-6016-5997-5C5C44F51FC3}"/>
+              </a:ext>
+            </a:extLst>
+          </p:cNvPr>
+          <p:cNvSpPr txBox="1"/>
+          <p:nvPr/>
+        </p:nvSpPr>
+        <p:spPr>
+          <a:xfrm>
+            <a:off x="260430" y="329879"/>
+            <a:ext cx="13150769" cy="7066550"/>
+          </a:xfrm>
+          <a:prstGeom prst="rect">
+            <a:avLst/>
+          </a:prstGeom>
+          <a:noFill/>
+        </p:spPr>
+        <p:txBody>
+          <a:bodyPr wrap="square" rtlCol="0">
+            <a:spAutoFit/>
+          </a:bodyPr>
+          <a:lstStyle/>
+          <a:p>
+            <a:r>
+              <a:rPr lang="en-US" sz="6000" b="1" dirty="0">
+                <a:solidFill>
+                  <a:srgbClr val="CF3338"/>
+                </a:solidFill>
+                <a:latin typeface="Pragmatica" panose="020B0403040502020204" pitchFamily="34" charset="0"/>
+              </a:rPr>
+              <a:t>Exercises</a:t>
+            </a:r>
+          </a:p>
+          <a:p>
+            <a:endParaRPr lang="en-US" sz="4200" dirty="0">
+              <a:solidFill>
+                <a:srgbClr val="CF3338"/>
+              </a:solidFill>
+              <a:latin typeface="Pragmatica" panose="020B0403040502020204" pitchFamily="34" charset="0"/>
+            </a:endParaRPr>
+          </a:p>
+          <a:p>
+            <a:r>
+              <a:rPr lang="en-US" sz="3600" dirty="0">
+                <a:solidFill>
+                  <a:srgbClr val="CF3338"/>
+                </a:solidFill>
+                <a:latin typeface="Pragmatica" panose="020B0403040502020204" pitchFamily="34" charset="0"/>
+              </a:rPr>
+              <a:t>For all data since 1970: </a:t>
+            </a:r>
+          </a:p>
+          <a:p>
+            <a:endParaRPr lang="en-US" sz="4200" dirty="0">
+              <a:solidFill>
+                <a:srgbClr val="CF3338"/>
+              </a:solidFill>
+              <a:latin typeface="Pragmatica" panose="020B0403040502020204" pitchFamily="34" charset="0"/>
+            </a:endParaRPr>
+          </a:p>
+          <a:p>
+            <a:pPr marL="342900" marR="0" lvl="0" indent="-342900">
+              <a:lnSpc>
+                <a:spcPct val="115000"/>
+              </a:lnSpc>
+              <a:spcBef>
+                <a:spcPts val="0"/>
+              </a:spcBef>
+              <a:spcAft>
+                <a:spcPts val="0"/>
+              </a:spcAft>
+              <a:buFont typeface="+mj-lt"/>
+              <a:buAutoNum type="arabicPeriod"/>
+            </a:pPr>
+            <a:r>
+              <a:rPr lang="en-US" sz="3200" kern="100" dirty="0">
+                <a:solidFill>
+                  <a:srgbClr val="C00000"/>
+                </a:solidFill>
+                <a:effectLst/>
+                <a:latin typeface="Pragmatica" panose="020B0403040502020204"/>
+                <a:ea typeface="Aptos" panose="020B0004020202020204" pitchFamily="34" charset="0"/>
+                <a:cs typeface="Times New Roman" panose="02020603050405020304" pitchFamily="18" charset="0"/>
+              </a:rPr>
+              <a:t>Create stolen base percentage measure: SUM(SB) / (SUM(SB) + SUM(SC))</a:t>
+            </a:r>
+          </a:p>
+          <a:p>
+            <a:pPr marL="342900" marR="0" lvl="0" indent="-342900">
+              <a:lnSpc>
+                <a:spcPct val="115000"/>
+              </a:lnSpc>
+              <a:spcBef>
+                <a:spcPts val="0"/>
+              </a:spcBef>
+              <a:spcAft>
+                <a:spcPts val="0"/>
+              </a:spcAft>
+              <a:buFont typeface="+mj-lt"/>
+              <a:buAutoNum type="arabicPeriod"/>
+            </a:pPr>
+            <a:r>
+              <a:rPr lang="en-US" sz="3200" kern="100" dirty="0">
+                <a:solidFill>
+                  <a:srgbClr val="C00000"/>
+                </a:solidFill>
+                <a:effectLst/>
+                <a:latin typeface="Pragmatica" panose="020B0403040502020204"/>
+                <a:ea typeface="Aptos" panose="020B0004020202020204" pitchFamily="34" charset="0"/>
+                <a:cs typeface="Times New Roman" panose="02020603050405020304" pitchFamily="18" charset="0"/>
+              </a:rPr>
+              <a:t>Compare SBP over time by league</a:t>
+            </a:r>
+          </a:p>
+          <a:p>
+            <a:pPr marL="342900" marR="0" lvl="0" indent="-342900">
+              <a:lnSpc>
+                <a:spcPct val="115000"/>
+              </a:lnSpc>
+              <a:spcBef>
+                <a:spcPts val="0"/>
+              </a:spcBef>
+              <a:spcAft>
+                <a:spcPts val="0"/>
+              </a:spcAft>
+              <a:buFont typeface="+mj-lt"/>
+              <a:buAutoNum type="arabicPeriod"/>
+            </a:pPr>
+            <a:r>
+              <a:rPr lang="en-US" sz="3200" kern="100" dirty="0">
+                <a:solidFill>
+                  <a:srgbClr val="C00000"/>
+                </a:solidFill>
+                <a:latin typeface="Pragmatica" panose="020B0403040502020204"/>
+                <a:ea typeface="Aptos" panose="020B0004020202020204" pitchFamily="34" charset="0"/>
+                <a:cs typeface="Times New Roman" panose="02020603050405020304" pitchFamily="18" charset="0"/>
+              </a:rPr>
+              <a:t>Compare relationship between runs (R) and wins (W)</a:t>
+            </a:r>
+          </a:p>
+          <a:p>
+            <a:pPr marL="342900" marR="0" lvl="0" indent="-342900">
+              <a:lnSpc>
+                <a:spcPct val="115000"/>
+              </a:lnSpc>
+              <a:spcBef>
+                <a:spcPts val="0"/>
+              </a:spcBef>
+              <a:spcAft>
+                <a:spcPts val="0"/>
+              </a:spcAft>
+              <a:buFont typeface="+mj-lt"/>
+              <a:buAutoNum type="arabicPeriod"/>
+            </a:pPr>
+            <a:r>
+              <a:rPr lang="en-US" sz="3200" kern="100" dirty="0">
+                <a:solidFill>
+                  <a:srgbClr val="C00000"/>
+                </a:solidFill>
+                <a:effectLst/>
+                <a:latin typeface="Pragmatica" panose="020B0403040502020204"/>
+                <a:ea typeface="Aptos" panose="020B0004020202020204" pitchFamily="34" charset="0"/>
+                <a:cs typeface="Times New Roman" panose="02020603050405020304" pitchFamily="18" charset="0"/>
+              </a:rPr>
+              <a:t>Add a timeline-based slicer to the report</a:t>
+            </a:r>
+          </a:p>
+          <a:p>
+            <a:endParaRPr lang="en-US" sz="4200" dirty="0">
+              <a:solidFill>
+                <a:srgbClr val="CF3338"/>
+              </a:solidFill>
+              <a:latin typeface="Pragmatica" panose="020B0403040502020204" pitchFamily="34" charset="0"/>
+            </a:endParaRPr>
+          </a:p>
+          <a:p>
+            <a:r>
+              <a:rPr lang="en-US" sz="3600" kern="100" dirty="0">
+                <a:solidFill>
+                  <a:srgbClr val="C00000"/>
+                </a:solidFill>
+                <a:effectLst/>
+                <a:latin typeface="Pragmatica" panose="020B0403040502020204"/>
+                <a:ea typeface="Aptos" panose="020B0004020202020204" pitchFamily="34" charset="0"/>
+                <a:cs typeface="Times New Roman" panose="02020603050405020304" pitchFamily="18" charset="0"/>
+              </a:rPr>
+              <a:t>Folder: </a:t>
+            </a:r>
+            <a:r>
+              <a:rPr lang="en-US" sz="3600" kern="100" dirty="0">
+                <a:solidFill>
+                  <a:srgbClr val="C00000"/>
+                </a:solidFill>
+                <a:latin typeface="Consolas" panose="020B0609020204030204" pitchFamily="49" charset="0"/>
+                <a:ea typeface="Aptos" panose="020B0004020202020204" pitchFamily="34" charset="0"/>
+                <a:cs typeface="Times New Roman" panose="02020603050405020304" pitchFamily="18" charset="0"/>
+              </a:rPr>
+              <a:t>4</a:t>
+            </a:r>
+            <a:r>
+              <a:rPr lang="en-US" sz="3600" kern="100" dirty="0">
+                <a:solidFill>
+                  <a:srgbClr val="C00000"/>
+                </a:solidFill>
+                <a:effectLst/>
+                <a:latin typeface="Consolas" panose="020B0609020204030204" pitchFamily="49" charset="0"/>
+                <a:ea typeface="Aptos" panose="020B0004020202020204" pitchFamily="34" charset="0"/>
+                <a:cs typeface="Times New Roman" panose="02020603050405020304" pitchFamily="18" charset="0"/>
+              </a:rPr>
+              <a:t>-power-bi-challenge</a:t>
+            </a:r>
+          </a:p>
+          <a:p>
+            <a:endParaRPr lang="en-US" sz="4200" dirty="0">
+              <a:solidFill>
+                <a:srgbClr val="CF3338"/>
+              </a:solidFill>
+              <a:latin typeface="Pragmatica" panose="020B0403040502020204" pitchFamily="34" charset="0"/>
+            </a:endParaRPr>
+          </a:p>
+        </p:txBody>
+      </p:sp>
+    </p:spTree>
+    <p:extLst>
+      <p:ext uri="{BB962C8B-B14F-4D97-AF65-F5344CB8AC3E}">
+        <p14:creationId xmlns:p14="http://schemas.microsoft.com/office/powerpoint/2010/main" val="3297408441"/>
+      </p:ext>
+    </p:extLst>
+  </p:cSld>
+  <p:clrMapOvr>
+    <a:masterClrMapping/>
+  </p:clrMapOvr>
+</p:sld>
+</file>
+
+<file path=ppt/slides/slide8.xml><?xml version="1.0" encoding="utf-8"?>
 <p:sld xmlns:a="http://schemas.openxmlformats.org/drawingml/2006/main" xmlns:r="http://schemas.openxmlformats.org/officeDocument/2006/relationships" xmlns:p="http://schemas.openxmlformats.org/presentationml/2006/main">
   <p:cSld>
     <p:spTree>
@@ -5555,7 +6044,7 @@
 </p:sld>
 </file>
 
-<file path=ppt/slides/slide8.xml><?xml version="1.0" encoding="utf-8"?>
+<file path=ppt/slides/slide9.xml><?xml version="1.0" encoding="utf-8"?>
 <p:sld xmlns:a="http://schemas.openxmlformats.org/drawingml/2006/main" xmlns:r="http://schemas.openxmlformats.org/officeDocument/2006/relationships" xmlns:p="http://schemas.openxmlformats.org/presentationml/2006/main">
   <p:cSld>
     <p:spTree>
